--- a/presentations/sdc/5-SDC-Population.pptx
+++ b/presentations/sdc/5-SDC-Population.pptx
@@ -24657,7 +24657,7 @@
             <a:fld id="{1BCE7D1B-E2D6-42EC-A46F-6B8D8AB722EA}" type="datetime1">
               <a:rPr lang="en-US" altLang="en-US"/>
               <a:pPr/>
-              <a:t>1/12/2025</a:t>
+              <a:t>1/13/2025</a:t>
             </a:fld>
             <a:endParaRPr lang="en-US" altLang="en-US"/>
           </a:p>
@@ -24888,7 +24888,7 @@
             <a:fld id="{60D4D74E-7671-46E5-9A5B-14F31A4C0D2E}" type="datetime1">
               <a:rPr lang="en-US" altLang="en-US"/>
               <a:pPr/>
-              <a:t>1/12/2025</a:t>
+              <a:t>1/13/2025</a:t>
             </a:fld>
             <a:endParaRPr lang="en-US" altLang="en-US"/>
           </a:p>
@@ -29970,7 +29970,7 @@
           <a:p>
             <a:fld id="{D83995C2-806B-4997-8C0A-E780F2B14CC7}" type="datetimeFigureOut">
               <a:rPr lang="en-US" smtClean="0"/>
-              <a:t>1/12/2025</a:t>
+              <a:t>1/13/2025</a:t>
             </a:fld>
             <a:endParaRPr lang="en-US"/>
           </a:p>
@@ -47534,20 +47534,6 @@
               <a:t>Patient’s most recent blood glucose</a:t>
             </a:r>
           </a:p>
-          <a:p>
-            <a:pPr marL="0" indent="0">
-              <a:buNone/>
-            </a:pPr>
-            <a:r>
-              <a:rPr lang="en-CA" dirty="0"/>
-              <a:t>Now do the same thing using </a:t>
-            </a:r>
-            <a:r>
-              <a:rPr lang="en-CA"/>
-              <a:t>template-based extraction</a:t>
-            </a:r>
-            <a:endParaRPr lang="en-CA" dirty="0"/>
-          </a:p>
         </p:txBody>
       </p:sp>
       <p:sp>
